--- a/doc/task03/cs1_task03_Design-Thinking.pptx
+++ b/doc/task03/cs1_task03_Design-Thinking.pptx
@@ -11,14 +11,13 @@
     <p:sldId id="258" r:id="rId5"/>
     <p:sldId id="259" r:id="rId6"/>
     <p:sldId id="261" r:id="rId7"/>
-    <p:sldId id="262" r:id="rId8"/>
-    <p:sldId id="263" r:id="rId9"/>
-    <p:sldId id="264" r:id="rId10"/>
-    <p:sldId id="266" r:id="rId11"/>
-    <p:sldId id="267" r:id="rId12"/>
-    <p:sldId id="268" r:id="rId13"/>
-    <p:sldId id="269" r:id="rId14"/>
-    <p:sldId id="272" r:id="rId15"/>
+    <p:sldId id="263" r:id="rId8"/>
+    <p:sldId id="264" r:id="rId9"/>
+    <p:sldId id="266" r:id="rId10"/>
+    <p:sldId id="267" r:id="rId11"/>
+    <p:sldId id="268" r:id="rId12"/>
+    <p:sldId id="269" r:id="rId13"/>
+    <p:sldId id="272" r:id="rId14"/>
   </p:sldIdLst>
   <p:sldSz cx="12192000" cy="6858000"/>
   <p:notesSz cx="7559675" cy="10691813"/>
@@ -4560,6 +4559,20 @@
               <a:t> </a:t>
             </a:r>
             <a:r>
+              <a:rPr lang="de-CH" sz="2400" spc="-1" dirty="0" smtClean="0">
+                <a:solidFill>
+                  <a:srgbClr val="000000"/>
+                </a:solidFill>
+                <a:uFill>
+                  <a:solidFill>
+                    <a:srgbClr val="FFFFFF"/>
+                  </a:solidFill>
+                </a:uFill>
+                <a:latin typeface="Calibri"/>
+              </a:rPr>
+              <a:t>30</a:t>
+            </a:r>
+            <a:r>
               <a:rPr lang="de-CH" sz="2400" strike="noStrike" spc="-1" dirty="0" smtClean="0">
                 <a:solidFill>
                   <a:srgbClr val="000000"/>
@@ -4571,7 +4584,7 @@
                 </a:uFill>
                 <a:latin typeface="Calibri"/>
               </a:rPr>
-              <a:t>04.03.2016 </a:t>
+              <a:t>.03.2016 </a:t>
             </a:r>
             <a:endParaRPr lang="de-CH" sz="1800" strike="noStrike" spc="-1" dirty="0">
               <a:solidFill>
@@ -4847,7 +4860,7 @@
       </p:sp>
       <p:pic>
         <p:nvPicPr>
-          <p:cNvPr id="2" name="Picture 1"/>
+          <p:cNvPr id="3" name="Picture 2"/>
           <p:cNvPicPr>
             <a:picLocks noChangeAspect="1"/>
           </p:cNvPicPr>
@@ -4861,13 +4874,13 @@
               </a:ext>
             </a:extLst>
           </a:blip>
-          <a:srcRect l="-286" r="286" b="48239"/>
+          <a:srcRect t="52209" r="34101"/>
           <a:stretch/>
         </p:blipFill>
         <p:spPr>
           <a:xfrm>
-            <a:off x="562196" y="1381054"/>
-            <a:ext cx="11066647" cy="4226531"/>
+            <a:off x="2472426" y="1825560"/>
+            <a:ext cx="7247148" cy="3877937"/>
           </a:xfrm>
           <a:prstGeom prst="rect">
             <a:avLst/>
@@ -4877,7 +4890,7 @@
     </p:spTree>
     <p:extLst>
       <p:ext uri="{BB962C8B-B14F-4D97-AF65-F5344CB8AC3E}">
-        <p14:creationId xmlns:p14="http://schemas.microsoft.com/office/powerpoint/2010/main" val="3393946720"/>
+        <p14:creationId xmlns:p14="http://schemas.microsoft.com/office/powerpoint/2010/main" val="4283750048"/>
       </p:ext>
     </p:extLst>
   </p:cSld>
@@ -4997,298 +5010,6 @@
                 </a:uFill>
                 <a:latin typeface="Calibri Light"/>
               </a:rPr>
-              <a:t>3 : Desing</a:t>
-            </a:r>
-            <a:endParaRPr lang="de-CH" sz="1800" strike="noStrike" spc="-1" dirty="0">
-              <a:solidFill>
-                <a:srgbClr val="000000"/>
-              </a:solidFill>
-              <a:uFill>
-                <a:solidFill>
-                  <a:srgbClr val="FFFFFF"/>
-                </a:solidFill>
-              </a:uFill>
-              <a:latin typeface="Arial"/>
-            </a:endParaRPr>
-          </a:p>
-        </p:txBody>
-      </p:sp>
-      <p:sp>
-        <p:nvSpPr>
-          <p:cNvPr id="75" name="CustomShape 2"/>
-          <p:cNvSpPr/>
-          <p:nvPr/>
-        </p:nvSpPr>
-        <p:spPr>
-          <a:xfrm>
-            <a:off x="838080" y="1825560"/>
-            <a:ext cx="10514880" cy="4350600"/>
-          </a:xfrm>
-          <a:prstGeom prst="rect">
-            <a:avLst/>
-          </a:prstGeom>
-          <a:noFill/>
-          <a:ln>
-            <a:noFill/>
-          </a:ln>
-        </p:spPr>
-        <p:style>
-          <a:lnRef idx="0">
-            <a:scrgbClr r="0" g="0" b="0"/>
-          </a:lnRef>
-          <a:fillRef idx="0">
-            <a:scrgbClr r="0" g="0" b="0"/>
-          </a:fillRef>
-          <a:effectRef idx="0">
-            <a:scrgbClr r="0" g="0" b="0"/>
-          </a:effectRef>
-          <a:fontRef idx="minor"/>
-        </p:style>
-        <p:txBody>
-          <a:bodyPr lIns="90000" tIns="45000" rIns="90000" bIns="45000"/>
-          <a:lstStyle/>
-          <a:p>
-            <a:pPr marL="915120" lvl="2">
-              <a:lnSpc>
-                <a:spcPct val="150000"/>
-              </a:lnSpc>
-              <a:buClr>
-                <a:srgbClr val="000000"/>
-              </a:buClr>
-            </a:pPr>
-            <a:endParaRPr lang="en-US" sz="2800" spc="-1" dirty="0" smtClean="0">
-              <a:solidFill>
-                <a:srgbClr val="000000"/>
-              </a:solidFill>
-              <a:uFill>
-                <a:solidFill>
-                  <a:srgbClr val="FFFFFF"/>
-                </a:solidFill>
-              </a:uFill>
-              <a:latin typeface="Arial"/>
-            </a:endParaRPr>
-          </a:p>
-          <a:p>
-            <a:pPr marL="1600200" lvl="3" indent="-227880">
-              <a:lnSpc>
-                <a:spcPct val="150000"/>
-              </a:lnSpc>
-              <a:buClr>
-                <a:srgbClr val="000000"/>
-              </a:buClr>
-              <a:buFont typeface="Arial"/>
-              <a:buChar char="•"/>
-            </a:pPr>
-            <a:endParaRPr lang="en-US" sz="2800" spc="-1" dirty="0" smtClean="0">
-              <a:solidFill>
-                <a:srgbClr val="000000"/>
-              </a:solidFill>
-              <a:uFill>
-                <a:solidFill>
-                  <a:srgbClr val="FFFFFF"/>
-                </a:solidFill>
-              </a:uFill>
-              <a:latin typeface="Arial"/>
-            </a:endParaRPr>
-          </a:p>
-          <a:p>
-            <a:pPr marL="457920" lvl="1">
-              <a:lnSpc>
-                <a:spcPct val="150000"/>
-              </a:lnSpc>
-              <a:buClr>
-                <a:srgbClr val="000000"/>
-              </a:buClr>
-            </a:pPr>
-            <a:endParaRPr lang="de-DE" sz="2800" spc="-1" dirty="0" smtClean="0">
-              <a:solidFill>
-                <a:srgbClr val="000000"/>
-              </a:solidFill>
-              <a:uFill>
-                <a:solidFill>
-                  <a:srgbClr val="FFFFFF"/>
-                </a:solidFill>
-              </a:uFill>
-              <a:latin typeface="Arial"/>
-            </a:endParaRPr>
-          </a:p>
-          <a:p>
-            <a:pPr marL="228600" indent="-227880">
-              <a:lnSpc>
-                <a:spcPct val="150000"/>
-              </a:lnSpc>
-              <a:buClr>
-                <a:srgbClr val="000000"/>
-              </a:buClr>
-              <a:buFont typeface="Arial"/>
-              <a:buChar char="•"/>
-            </a:pPr>
-            <a:endParaRPr lang="de-CH" sz="2800" strike="noStrike" spc="-1" dirty="0" smtClean="0">
-              <a:solidFill>
-                <a:srgbClr val="000000"/>
-              </a:solidFill>
-              <a:uFill>
-                <a:solidFill>
-                  <a:srgbClr val="FFFFFF"/>
-                </a:solidFill>
-              </a:uFill>
-              <a:latin typeface="Arial"/>
-            </a:endParaRPr>
-          </a:p>
-        </p:txBody>
-      </p:sp>
-      <p:pic>
-        <p:nvPicPr>
-          <p:cNvPr id="3" name="Picture 2"/>
-          <p:cNvPicPr>
-            <a:picLocks noChangeAspect="1"/>
-          </p:cNvPicPr>
-          <p:nvPr/>
-        </p:nvPicPr>
-        <p:blipFill rotWithShape="1">
-          <a:blip r:embed="rId2" cstate="print">
-            <a:extLst>
-              <a:ext uri="{28A0092B-C50C-407E-A947-70E740481C1C}">
-                <a14:useLocalDpi xmlns:a14="http://schemas.microsoft.com/office/drawing/2010/main" val="0"/>
-              </a:ext>
-            </a:extLst>
-          </a:blip>
-          <a:srcRect t="52209"/>
-          <a:stretch/>
-        </p:blipFill>
-        <p:spPr>
-          <a:xfrm>
-            <a:off x="2018037" y="1825560"/>
-            <a:ext cx="10997316" cy="3877937"/>
-          </a:xfrm>
-          <a:prstGeom prst="rect">
-            <a:avLst/>
-          </a:prstGeom>
-        </p:spPr>
-      </p:pic>
-    </p:spTree>
-    <p:extLst>
-      <p:ext uri="{BB962C8B-B14F-4D97-AF65-F5344CB8AC3E}">
-        <p14:creationId xmlns:p14="http://schemas.microsoft.com/office/powerpoint/2010/main" val="4283750048"/>
-      </p:ext>
-    </p:extLst>
-  </p:cSld>
-  <p:clrMapOvr>
-    <a:masterClrMapping/>
-  </p:clrMapOvr>
-  <p:timing>
-    <p:tnLst>
-      <p:par>
-        <p:cTn id="1" dur="indefinite" restart="never" nodeType="tmRoot">
-          <p:childTnLst>
-            <p:seq>
-              <p:cTn id="2" nodeType="mainSeq"/>
-              <p:prevCondLst>
-                <p:cond evt="onPrev" delay="0">
-                  <p:tgtEl>
-                    <p:sldTgt/>
-                  </p:tgtEl>
-                </p:cond>
-              </p:prevCondLst>
-              <p:nextCondLst>
-                <p:cond evt="onNext" delay="0">
-                  <p:tgtEl>
-                    <p:sldTgt/>
-                  </p:tgtEl>
-                </p:cond>
-              </p:nextCondLst>
-            </p:seq>
-          </p:childTnLst>
-        </p:cTn>
-      </p:par>
-    </p:tnLst>
-  </p:timing>
-</p:sld>
-</file>
-
-<file path=ppt/slides/slide12.xml><?xml version="1.0" encoding="utf-8"?>
-<p:sld xmlns:a="http://schemas.openxmlformats.org/drawingml/2006/main" xmlns:r="http://schemas.openxmlformats.org/officeDocument/2006/relationships" xmlns:p="http://schemas.openxmlformats.org/presentationml/2006/main">
-  <p:cSld>
-    <p:spTree>
-      <p:nvGrpSpPr>
-        <p:cNvPr id="1" name=""/>
-        <p:cNvGrpSpPr/>
-        <p:nvPr/>
-      </p:nvGrpSpPr>
-      <p:grpSpPr>
-        <a:xfrm>
-          <a:off x="0" y="0"/>
-          <a:ext cx="0" cy="0"/>
-          <a:chOff x="0" y="0"/>
-          <a:chExt cx="0" cy="0"/>
-        </a:xfrm>
-      </p:grpSpPr>
-      <p:sp>
-        <p:nvSpPr>
-          <p:cNvPr id="74" name="CustomShape 1"/>
-          <p:cNvSpPr/>
-          <p:nvPr/>
-        </p:nvSpPr>
-        <p:spPr>
-          <a:xfrm>
-            <a:off x="838080" y="365040"/>
-            <a:ext cx="10514880" cy="1324800"/>
-          </a:xfrm>
-          <a:prstGeom prst="rect">
-            <a:avLst/>
-          </a:prstGeom>
-          <a:noFill/>
-          <a:ln>
-            <a:noFill/>
-          </a:ln>
-        </p:spPr>
-        <p:style>
-          <a:lnRef idx="0">
-            <a:scrgbClr r="0" g="0" b="0"/>
-          </a:lnRef>
-          <a:fillRef idx="0">
-            <a:scrgbClr r="0" g="0" b="0"/>
-          </a:fillRef>
-          <a:effectRef idx="0">
-            <a:scrgbClr r="0" g="0" b="0"/>
-          </a:effectRef>
-          <a:fontRef idx="minor"/>
-        </p:style>
-        <p:txBody>
-          <a:bodyPr lIns="90000" tIns="45000" rIns="90000" bIns="45000" anchor="ctr"/>
-          <a:lstStyle/>
-          <a:p>
-            <a:pPr>
-              <a:lnSpc>
-                <a:spcPct val="90000"/>
-              </a:lnSpc>
-            </a:pPr>
-            <a:r>
-              <a:rPr lang="de-CH" sz="4400" strike="noStrike" spc="-1" dirty="0" smtClean="0">
-                <a:solidFill>
-                  <a:srgbClr val="000000"/>
-                </a:solidFill>
-                <a:uFill>
-                  <a:solidFill>
-                    <a:srgbClr val="FFFFFF"/>
-                  </a:solidFill>
-                </a:uFill>
-                <a:latin typeface="Calibri Light"/>
-              </a:rPr>
-              <a:t>CS1 Task </a:t>
-            </a:r>
-            <a:r>
-              <a:rPr lang="de-CH" sz="4400" strike="noStrike" spc="-1" dirty="0" smtClean="0">
-                <a:solidFill>
-                  <a:srgbClr val="000000"/>
-                </a:solidFill>
-                <a:uFill>
-                  <a:solidFill>
-                    <a:srgbClr val="FFFFFF"/>
-                  </a:solidFill>
-                </a:uFill>
-                <a:latin typeface="Calibri Light"/>
-              </a:rPr>
               <a:t>3 : Prototype</a:t>
             </a:r>
             <a:endParaRPr lang="de-CH" sz="1800" strike="noStrike" spc="-1" dirty="0">
@@ -5493,7 +5214,7 @@
 </p:sld>
 </file>
 
-<file path=ppt/slides/slide13.xml><?xml version="1.0" encoding="utf-8"?>
+<file path=ppt/slides/slide12.xml><?xml version="1.0" encoding="utf-8"?>
 <p:sld xmlns:a="http://schemas.openxmlformats.org/drawingml/2006/main" xmlns:r="http://schemas.openxmlformats.org/officeDocument/2006/relationships" xmlns:p="http://schemas.openxmlformats.org/presentationml/2006/main">
   <p:cSld>
     <p:spTree>
@@ -6183,7 +5904,7 @@
 </file>
 
 <file path=ppt/slides/slide3.xml><?xml version="1.0" encoding="utf-8"?>
-<p:sld xmlns:a="http://schemas.openxmlformats.org/drawingml/2006/main" xmlns:r="http://schemas.openxmlformats.org/officeDocument/2006/relationships" xmlns:p="http://schemas.openxmlformats.org/presentationml/2006/main">
+<p:sld xmlns:a="http://schemas.openxmlformats.org/drawingml/2006/main" xmlns:r="http://schemas.openxmlformats.org/officeDocument/2006/relationships" xmlns:p="http://schemas.openxmlformats.org/presentationml/2006/main" show="0">
   <p:cSld>
     <p:spTree>
       <p:nvGrpSpPr>
@@ -6462,6 +6183,14 @@
   <p:clrMapOvr>
     <a:masterClrMapping/>
   </p:clrMapOvr>
+  <mc:AlternateContent xmlns:mc="http://schemas.openxmlformats.org/markup-compatibility/2006">
+    <mc:Choice xmlns:p14="http://schemas.microsoft.com/office/powerpoint/2010/main" Requires="p14">
+      <p:transition spd="slow" p14:dur="2000"/>
+    </mc:Choice>
+    <mc:Fallback>
+      <p:transition spd="slow"/>
+    </mc:Fallback>
+  </mc:AlternateContent>
   <p:timing>
     <p:tnLst>
       <p:par>
@@ -7252,7 +6981,7 @@
                 </a:uFill>
                 <a:latin typeface="Calibri Light"/>
               </a:rPr>
-              <a:t>3 : Research</a:t>
+              <a:t>3 : Synthesis</a:t>
             </a:r>
             <a:endParaRPr lang="de-CH" sz="1800" strike="noStrike" spc="-1" dirty="0">
               <a:solidFill>
@@ -7303,32 +7032,6 @@
           <a:bodyPr lIns="90000" tIns="45000" rIns="90000" bIns="45000"/>
           <a:lstStyle/>
           <a:p>
-            <a:pPr marL="685800" lvl="1" indent="-227880">
-              <a:lnSpc>
-                <a:spcPct val="150000"/>
-              </a:lnSpc>
-              <a:buClr>
-                <a:srgbClr val="000000"/>
-              </a:buClr>
-              <a:buFont typeface="Arial"/>
-              <a:buChar char="•"/>
-            </a:pPr>
-            <a:r>
-              <a:rPr lang="de-DE" sz="2800" spc="-1" dirty="0" smtClean="0">
-                <a:solidFill>
-                  <a:srgbClr val="000000"/>
-                </a:solidFill>
-                <a:uFill>
-                  <a:solidFill>
-                    <a:srgbClr val="FFFFFF"/>
-                  </a:solidFill>
-                </a:uFill>
-                <a:latin typeface="Arial"/>
-              </a:rPr>
-              <a:t>Interviews</a:t>
-            </a:r>
-          </a:p>
-          <a:p>
             <a:pPr marL="1143000" lvl="2" indent="-227880">
               <a:lnSpc>
                 <a:spcPct val="150000"/>
@@ -7340,22 +7043,12 @@
               <a:buChar char="•"/>
             </a:pPr>
             <a:r>
-              <a:rPr lang="de-DE" sz="2800" spc="-1" dirty="0" smtClean="0">
-                <a:solidFill>
-                  <a:srgbClr val="000000"/>
-                </a:solidFill>
-                <a:uFill>
-                  <a:solidFill>
-                    <a:srgbClr val="FFFFFF"/>
-                  </a:solidFill>
-                </a:uFill>
-                <a:latin typeface="Arial"/>
-              </a:rPr>
-              <a:t>IT-Manager Spital</a:t>
-            </a:r>
-          </a:p>
-          <a:p>
-            <a:pPr marL="1143000" lvl="2" indent="-227880">
+              <a:rPr lang="en-US" sz="2800" dirty="0" smtClean="0"/>
+              <a:t>Ariane: </a:t>
+            </a:r>
+          </a:p>
+          <a:p>
+            <a:pPr marL="1600200" lvl="3" indent="-227880">
               <a:lnSpc>
                 <a:spcPct val="150000"/>
               </a:lnSpc>
@@ -7366,7 +7059,7 @@
               <a:buChar char="•"/>
             </a:pPr>
             <a:r>
-              <a:rPr lang="de-DE" sz="2800" spc="-1" dirty="0" smtClean="0">
+              <a:rPr lang="en-US" sz="2800" spc="-1" dirty="0" err="1" smtClean="0">
                 <a:solidFill>
                   <a:srgbClr val="000000"/>
                 </a:solidFill>
@@ -7377,11 +7070,50 @@
                 </a:uFill>
                 <a:latin typeface="Arial"/>
               </a:rPr>
-              <a:t>Leiterin Pflege Altersheim</a:t>
-            </a:r>
-          </a:p>
-          <a:p>
-            <a:pPr marL="685800" lvl="1" indent="-227880">
+              <a:t>Leiterin</a:t>
+            </a:r>
+            <a:r>
+              <a:rPr lang="en-US" sz="2800" spc="-1" dirty="0" smtClean="0">
+                <a:solidFill>
+                  <a:srgbClr val="000000"/>
+                </a:solidFill>
+                <a:uFill>
+                  <a:solidFill>
+                    <a:srgbClr val="FFFFFF"/>
+                  </a:solidFill>
+                </a:uFill>
+                <a:latin typeface="Arial"/>
+              </a:rPr>
+              <a:t> </a:t>
+            </a:r>
+            <a:r>
+              <a:rPr lang="en-US" sz="2800" spc="-1" dirty="0" err="1" smtClean="0">
+                <a:solidFill>
+                  <a:srgbClr val="000000"/>
+                </a:solidFill>
+                <a:uFill>
+                  <a:solidFill>
+                    <a:srgbClr val="FFFFFF"/>
+                  </a:solidFill>
+                </a:uFill>
+                <a:latin typeface="Arial"/>
+              </a:rPr>
+              <a:t>Pflege</a:t>
+            </a:r>
+            <a:endParaRPr lang="en-US" sz="2800" spc="-1" dirty="0" smtClean="0">
+              <a:solidFill>
+                <a:srgbClr val="000000"/>
+              </a:solidFill>
+              <a:uFill>
+                <a:solidFill>
+                  <a:srgbClr val="FFFFFF"/>
+                </a:solidFill>
+              </a:uFill>
+              <a:latin typeface="Arial"/>
+            </a:endParaRPr>
+          </a:p>
+          <a:p>
+            <a:pPr marL="1600200" lvl="3" indent="-227880">
               <a:lnSpc>
                 <a:spcPct val="150000"/>
               </a:lnSpc>
@@ -7392,7 +7124,7 @@
               <a:buChar char="•"/>
             </a:pPr>
             <a:r>
-              <a:rPr lang="de-DE" sz="2800" spc="-1" dirty="0" smtClean="0">
+              <a:rPr lang="en-US" sz="2800" spc="-1" dirty="0" err="1" smtClean="0">
                 <a:solidFill>
                   <a:srgbClr val="000000"/>
                 </a:solidFill>
@@ -7403,11 +7135,78 @@
                 </a:uFill>
                 <a:latin typeface="Arial"/>
               </a:rPr>
-              <a:t>Erkenntnisse: </a:t>
-            </a:r>
-          </a:p>
-          <a:p>
-            <a:pPr marL="1143000" lvl="2" indent="-227880">
+              <a:t>Verantwortlich</a:t>
+            </a:r>
+            <a:r>
+              <a:rPr lang="en-US" sz="2800" spc="-1" dirty="0" smtClean="0">
+                <a:solidFill>
+                  <a:srgbClr val="000000"/>
+                </a:solidFill>
+                <a:uFill>
+                  <a:solidFill>
+                    <a:srgbClr val="FFFFFF"/>
+                  </a:solidFill>
+                </a:uFill>
+                <a:latin typeface="Arial"/>
+              </a:rPr>
+              <a:t> </a:t>
+            </a:r>
+            <a:r>
+              <a:rPr lang="en-US" sz="2800" spc="-1" dirty="0" err="1" smtClean="0">
+                <a:solidFill>
+                  <a:srgbClr val="000000"/>
+                </a:solidFill>
+                <a:uFill>
+                  <a:solidFill>
+                    <a:srgbClr val="FFFFFF"/>
+                  </a:solidFill>
+                </a:uFill>
+                <a:latin typeface="Arial"/>
+              </a:rPr>
+              <a:t>für</a:t>
+            </a:r>
+            <a:r>
+              <a:rPr lang="en-US" sz="2800" spc="-1" dirty="0" smtClean="0">
+                <a:solidFill>
+                  <a:srgbClr val="000000"/>
+                </a:solidFill>
+                <a:uFill>
+                  <a:solidFill>
+                    <a:srgbClr val="FFFFFF"/>
+                  </a:solidFill>
+                </a:uFill>
+                <a:latin typeface="Arial"/>
+              </a:rPr>
+              <a:t> </a:t>
+            </a:r>
+            <a:r>
+              <a:rPr lang="en-US" sz="2800" spc="-1" dirty="0" err="1" smtClean="0">
+                <a:solidFill>
+                  <a:srgbClr val="000000"/>
+                </a:solidFill>
+                <a:uFill>
+                  <a:solidFill>
+                    <a:srgbClr val="FFFFFF"/>
+                  </a:solidFill>
+                </a:uFill>
+                <a:latin typeface="Arial"/>
+              </a:rPr>
+              <a:t>Prozesse</a:t>
+            </a:r>
+            <a:endParaRPr lang="en-US" sz="2800" spc="-1" dirty="0" smtClean="0">
+              <a:solidFill>
+                <a:srgbClr val="000000"/>
+              </a:solidFill>
+              <a:uFill>
+                <a:solidFill>
+                  <a:srgbClr val="FFFFFF"/>
+                </a:solidFill>
+              </a:uFill>
+              <a:latin typeface="Arial"/>
+            </a:endParaRPr>
+          </a:p>
+          <a:p>
+            <a:pPr marL="1600200" lvl="3" indent="-227880">
               <a:lnSpc>
                 <a:spcPct val="150000"/>
               </a:lnSpc>
@@ -7418,7 +7217,7 @@
               <a:buChar char="•"/>
             </a:pPr>
             <a:r>
-              <a:rPr lang="de-DE" sz="2800" spc="-1" dirty="0" smtClean="0">
+              <a:rPr lang="en-US" sz="2800" spc="-1" dirty="0" smtClean="0">
                 <a:solidFill>
                   <a:srgbClr val="000000"/>
                 </a:solidFill>
@@ -7429,11 +7228,36 @@
                 </a:uFill>
                 <a:latin typeface="Arial"/>
               </a:rPr>
-              <a:t>Viel Domänenwissen</a:t>
-            </a:r>
-          </a:p>
-          <a:p>
-            <a:pPr marL="1143000" lvl="2" indent="-227880">
+              <a:t>Grosse </a:t>
+            </a:r>
+            <a:r>
+              <a:rPr lang="en-US" sz="2800" spc="-1" dirty="0" err="1" smtClean="0">
+                <a:solidFill>
+                  <a:srgbClr val="000000"/>
+                </a:solidFill>
+                <a:uFill>
+                  <a:solidFill>
+                    <a:srgbClr val="FFFFFF"/>
+                  </a:solidFill>
+                </a:uFill>
+                <a:latin typeface="Arial"/>
+              </a:rPr>
+              <a:t>Führungsspanne</a:t>
+            </a:r>
+            <a:endParaRPr lang="en-US" sz="2800" spc="-1" dirty="0" smtClean="0">
+              <a:solidFill>
+                <a:srgbClr val="000000"/>
+              </a:solidFill>
+              <a:uFill>
+                <a:solidFill>
+                  <a:srgbClr val="FFFFFF"/>
+                </a:solidFill>
+              </a:uFill>
+              <a:latin typeface="Arial"/>
+            </a:endParaRPr>
+          </a:p>
+          <a:p>
+            <a:pPr marL="1600200" lvl="3" indent="-227880">
               <a:lnSpc>
                 <a:spcPct val="150000"/>
               </a:lnSpc>
@@ -7444,7 +7268,7 @@
               <a:buChar char="•"/>
             </a:pPr>
             <a:r>
-              <a:rPr lang="de-DE" sz="2800" spc="-1" dirty="0" smtClean="0">
+              <a:rPr lang="en-US" sz="2800" spc="-1" dirty="0" err="1" smtClean="0">
                 <a:solidFill>
                   <a:srgbClr val="000000"/>
                 </a:solidFill>
@@ -7455,43 +7279,36 @@
                 </a:uFill>
                 <a:latin typeface="Arial"/>
               </a:rPr>
-              <a:t>Benutzer-Input</a:t>
-            </a:r>
-          </a:p>
-          <a:p>
-            <a:pPr marL="1143000" lvl="2" indent="-227880">
-              <a:lnSpc>
-                <a:spcPct val="150000"/>
-              </a:lnSpc>
-              <a:buClr>
-                <a:srgbClr val="000000"/>
-              </a:buClr>
-              <a:buFont typeface="Arial"/>
-              <a:buChar char="•"/>
-            </a:pPr>
-            <a:endParaRPr lang="de-DE" sz="2800" spc="-1" dirty="0" smtClean="0">
-              <a:solidFill>
-                <a:srgbClr val="000000"/>
-              </a:solidFill>
-              <a:uFill>
-                <a:solidFill>
-                  <a:srgbClr val="FFFFFF"/>
-                </a:solidFill>
-              </a:uFill>
-              <a:latin typeface="Arial"/>
-            </a:endParaRPr>
-          </a:p>
-          <a:p>
-            <a:pPr marL="685800" lvl="1" indent="-227880">
-              <a:lnSpc>
-                <a:spcPct val="150000"/>
-              </a:lnSpc>
-              <a:buClr>
-                <a:srgbClr val="000000"/>
-              </a:buClr>
-              <a:buFont typeface="Arial"/>
-              <a:buChar char="•"/>
-            </a:pPr>
+              <a:t>Notfälle</a:t>
+            </a:r>
+            <a:r>
+              <a:rPr lang="en-US" sz="2800" spc="-1" dirty="0" smtClean="0">
+                <a:solidFill>
+                  <a:srgbClr val="000000"/>
+                </a:solidFill>
+                <a:uFill>
+                  <a:solidFill>
+                    <a:srgbClr val="FFFFFF"/>
+                  </a:solidFill>
+                </a:uFill>
+                <a:latin typeface="Arial"/>
+              </a:rPr>
+              <a:t>/</a:t>
+            </a:r>
+            <a:r>
+              <a:rPr lang="en-US" sz="2800" spc="-1" dirty="0" err="1" smtClean="0">
+                <a:solidFill>
+                  <a:srgbClr val="000000"/>
+                </a:solidFill>
+                <a:uFill>
+                  <a:solidFill>
+                    <a:srgbClr val="FFFFFF"/>
+                  </a:solidFill>
+                </a:uFill>
+                <a:latin typeface="Arial"/>
+              </a:rPr>
+              <a:t>Ereignisse</a:t>
+            </a:r>
             <a:endParaRPr lang="de-DE" sz="2800" spc="-1" dirty="0" smtClean="0">
               <a:solidFill>
                 <a:srgbClr val="000000"/>
@@ -7532,7 +7349,7 @@
     </p:spTree>
     <p:extLst>
       <p:ext uri="{BB962C8B-B14F-4D97-AF65-F5344CB8AC3E}">
-        <p14:creationId xmlns:p14="http://schemas.microsoft.com/office/powerpoint/2010/main" val="2338899791"/>
+        <p14:creationId xmlns:p14="http://schemas.microsoft.com/office/powerpoint/2010/main" val="1947984243"/>
       </p:ext>
     </p:extLst>
   </p:cSld>
@@ -7715,7 +7532,7 @@
             </a:pPr>
             <a:r>
               <a:rPr lang="en-US" sz="2800" dirty="0" smtClean="0"/>
-              <a:t>Ariane: </a:t>
+              <a:t>Bruno: </a:t>
             </a:r>
           </a:p>
           <a:p>
@@ -7741,7 +7558,7 @@
                 </a:uFill>
                 <a:latin typeface="Arial"/>
               </a:rPr>
-              <a:t>Leiterin</a:t>
+              <a:t>Leitender</a:t>
             </a:r>
             <a:r>
               <a:rPr lang="en-US" sz="2800" spc="-1" dirty="0" smtClean="0">
@@ -7769,19 +7586,22 @@
                 </a:uFill>
                 <a:latin typeface="Arial"/>
               </a:rPr>
-              <a:t>Pflege</a:t>
-            </a:r>
-            <a:endParaRPr lang="en-US" sz="2800" spc="-1" dirty="0" smtClean="0">
-              <a:solidFill>
-                <a:srgbClr val="000000"/>
-              </a:solidFill>
-              <a:uFill>
-                <a:solidFill>
-                  <a:srgbClr val="FFFFFF"/>
-                </a:solidFill>
-              </a:uFill>
-              <a:latin typeface="Arial"/>
-            </a:endParaRPr>
+              <a:t>Arzt</a:t>
+            </a:r>
+            <a:r>
+              <a:rPr lang="en-US" sz="2800" spc="-1" dirty="0" smtClean="0">
+                <a:solidFill>
+                  <a:srgbClr val="000000"/>
+                </a:solidFill>
+                <a:uFill>
+                  <a:solidFill>
+                    <a:srgbClr val="FFFFFF"/>
+                  </a:solidFill>
+                </a:uFill>
+                <a:latin typeface="Arial"/>
+              </a:rPr>
+              <a:t> </a:t>
+            </a:r>
           </a:p>
           <a:p>
             <a:pPr marL="1600200" lvl="3" indent="-227880">
@@ -7795,6 +7615,20 @@
               <a:buChar char="•"/>
             </a:pPr>
             <a:r>
+              <a:rPr lang="en-US" sz="2800" spc="-1" dirty="0" smtClean="0">
+                <a:solidFill>
+                  <a:srgbClr val="000000"/>
+                </a:solidFill>
+                <a:uFill>
+                  <a:solidFill>
+                    <a:srgbClr val="FFFFFF"/>
+                  </a:solidFill>
+                </a:uFill>
+                <a:latin typeface="Arial"/>
+              </a:rPr>
+              <a:t>Ambulate </a:t>
+            </a:r>
+            <a:r>
               <a:rPr lang="en-US" sz="2800" spc="-1" dirty="0" err="1" smtClean="0">
                 <a:solidFill>
                   <a:srgbClr val="000000"/>
@@ -7806,63 +7640,7 @@
                 </a:uFill>
                 <a:latin typeface="Arial"/>
               </a:rPr>
-              <a:t>Verantwortlich</a:t>
-            </a:r>
-            <a:r>
-              <a:rPr lang="en-US" sz="2800" spc="-1" dirty="0" smtClean="0">
-                <a:solidFill>
-                  <a:srgbClr val="000000"/>
-                </a:solidFill>
-                <a:uFill>
-                  <a:solidFill>
-                    <a:srgbClr val="FFFFFF"/>
-                  </a:solidFill>
-                </a:uFill>
-                <a:latin typeface="Arial"/>
-              </a:rPr>
-              <a:t> </a:t>
-            </a:r>
-            <a:r>
-              <a:rPr lang="en-US" sz="2800" spc="-1" dirty="0" err="1" smtClean="0">
-                <a:solidFill>
-                  <a:srgbClr val="000000"/>
-                </a:solidFill>
-                <a:uFill>
-                  <a:solidFill>
-                    <a:srgbClr val="FFFFFF"/>
-                  </a:solidFill>
-                </a:uFill>
-                <a:latin typeface="Arial"/>
-              </a:rPr>
-              <a:t>für</a:t>
-            </a:r>
-            <a:r>
-              <a:rPr lang="en-US" sz="2800" spc="-1" dirty="0" smtClean="0">
-                <a:solidFill>
-                  <a:srgbClr val="000000"/>
-                </a:solidFill>
-                <a:uFill>
-                  <a:solidFill>
-                    <a:srgbClr val="FFFFFF"/>
-                  </a:solidFill>
-                </a:uFill>
-                <a:latin typeface="Arial"/>
-              </a:rPr>
-              <a:t> </a:t>
-            </a:r>
-            <a:r>
-              <a:rPr lang="en-US" sz="2800" spc="-1" dirty="0" err="1" smtClean="0">
-                <a:solidFill>
-                  <a:srgbClr val="000000"/>
-                </a:solidFill>
-                <a:uFill>
-                  <a:solidFill>
-                    <a:srgbClr val="FFFFFF"/>
-                  </a:solidFill>
-                </a:uFill>
-                <a:latin typeface="Arial"/>
-              </a:rPr>
-              <a:t>Prozesse</a:t>
+              <a:t>Behandlungen</a:t>
             </a:r>
             <a:endParaRPr lang="en-US" sz="2800" spc="-1" dirty="0" smtClean="0">
               <a:solidFill>
@@ -7888,6 +7666,20 @@
               <a:buChar char="•"/>
             </a:pPr>
             <a:r>
+              <a:rPr lang="en-US" sz="2800" spc="-1" dirty="0" err="1" smtClean="0">
+                <a:solidFill>
+                  <a:srgbClr val="000000"/>
+                </a:solidFill>
+                <a:uFill>
+                  <a:solidFill>
+                    <a:srgbClr val="FFFFFF"/>
+                  </a:solidFill>
+                </a:uFill>
+                <a:latin typeface="Arial"/>
+              </a:rPr>
+              <a:t>Eigene</a:t>
+            </a:r>
+            <a:r>
               <a:rPr lang="en-US" sz="2800" spc="-1" dirty="0" smtClean="0">
                 <a:solidFill>
                   <a:srgbClr val="000000"/>
@@ -7899,33 +7691,8 @@
                 </a:uFill>
                 <a:latin typeface="Arial"/>
               </a:rPr>
-              <a:t>Grosse </a:t>
-            </a:r>
-            <a:r>
-              <a:rPr lang="en-US" sz="2800" spc="-1" dirty="0" err="1" smtClean="0">
-                <a:solidFill>
-                  <a:srgbClr val="000000"/>
-                </a:solidFill>
-                <a:uFill>
-                  <a:solidFill>
-                    <a:srgbClr val="FFFFFF"/>
-                  </a:solidFill>
-                </a:uFill>
-                <a:latin typeface="Arial"/>
-              </a:rPr>
-              <a:t>Führungsspanne</a:t>
-            </a:r>
-            <a:endParaRPr lang="en-US" sz="2800" spc="-1" dirty="0" smtClean="0">
-              <a:solidFill>
-                <a:srgbClr val="000000"/>
-              </a:solidFill>
-              <a:uFill>
-                <a:solidFill>
-                  <a:srgbClr val="FFFFFF"/>
-                </a:solidFill>
-              </a:uFill>
-              <a:latin typeface="Arial"/>
-            </a:endParaRPr>
+              <a:t> Praxis</a:t>
+            </a:r>
           </a:p>
           <a:p>
             <a:pPr marL="1600200" lvl="3" indent="-227880">
@@ -7950,7 +7717,44 @@
                 </a:uFill>
                 <a:latin typeface="Arial"/>
               </a:rPr>
-              <a:t>Notfälle</a:t>
+              <a:t>Finanzzahlen</a:t>
+            </a:r>
+            <a:endParaRPr lang="en-US" sz="2800" spc="-1" dirty="0" smtClean="0">
+              <a:solidFill>
+                <a:srgbClr val="000000"/>
+              </a:solidFill>
+              <a:uFill>
+                <a:solidFill>
+                  <a:srgbClr val="FFFFFF"/>
+                </a:solidFill>
+              </a:uFill>
+              <a:latin typeface="Arial"/>
+            </a:endParaRPr>
+          </a:p>
+          <a:p>
+            <a:pPr marL="1600200" lvl="3" indent="-227880">
+              <a:lnSpc>
+                <a:spcPct val="150000"/>
+              </a:lnSpc>
+              <a:buClr>
+                <a:srgbClr val="000000"/>
+              </a:buClr>
+              <a:buFont typeface="Arial"/>
+              <a:buChar char="•"/>
+            </a:pPr>
+            <a:r>
+              <a:rPr lang="en-US" sz="2800" spc="-1" dirty="0" err="1" smtClean="0">
+                <a:solidFill>
+                  <a:srgbClr val="000000"/>
+                </a:solidFill>
+                <a:uFill>
+                  <a:solidFill>
+                    <a:srgbClr val="FFFFFF"/>
+                  </a:solidFill>
+                </a:uFill>
+                <a:latin typeface="Arial"/>
+              </a:rPr>
+              <a:t>Kaum</a:t>
             </a:r>
             <a:r>
               <a:rPr lang="en-US" sz="2800" spc="-1" dirty="0" smtClean="0">
@@ -7964,7 +7768,7 @@
                 </a:uFill>
                 <a:latin typeface="Arial"/>
               </a:rPr>
-              <a:t>/</a:t>
+              <a:t> IT-</a:t>
             </a:r>
             <a:r>
               <a:rPr lang="en-US" sz="2800" spc="-1" dirty="0" err="1" smtClean="0">
@@ -7978,8 +7782,52 @@
                 </a:uFill>
                 <a:latin typeface="Arial"/>
               </a:rPr>
-              <a:t>Ereignisse</a:t>
-            </a:r>
+              <a:t>Kenntnisse</a:t>
+            </a:r>
+            <a:endParaRPr lang="en-US" sz="2800" spc="-1" dirty="0" smtClean="0">
+              <a:solidFill>
+                <a:srgbClr val="000000"/>
+              </a:solidFill>
+              <a:uFill>
+                <a:solidFill>
+                  <a:srgbClr val="FFFFFF"/>
+                </a:solidFill>
+              </a:uFill>
+              <a:latin typeface="Arial"/>
+            </a:endParaRPr>
+          </a:p>
+          <a:p>
+            <a:pPr marL="1600200" lvl="3" indent="-227880">
+              <a:lnSpc>
+                <a:spcPct val="150000"/>
+              </a:lnSpc>
+              <a:buClr>
+                <a:srgbClr val="000000"/>
+              </a:buClr>
+              <a:buFont typeface="Arial"/>
+              <a:buChar char="•"/>
+            </a:pPr>
+            <a:endParaRPr lang="en-US" sz="2800" spc="-1" dirty="0" smtClean="0">
+              <a:solidFill>
+                <a:srgbClr val="000000"/>
+              </a:solidFill>
+              <a:uFill>
+                <a:solidFill>
+                  <a:srgbClr val="FFFFFF"/>
+                </a:solidFill>
+              </a:uFill>
+              <a:latin typeface="Arial"/>
+            </a:endParaRPr>
+          </a:p>
+          <a:p>
+            <a:pPr marL="457920" lvl="1">
+              <a:lnSpc>
+                <a:spcPct val="150000"/>
+              </a:lnSpc>
+              <a:buClr>
+                <a:srgbClr val="000000"/>
+              </a:buClr>
+            </a:pPr>
             <a:endParaRPr lang="de-DE" sz="2800" spc="-1" dirty="0" smtClean="0">
               <a:solidFill>
                 <a:srgbClr val="000000"/>
@@ -8020,7 +7868,7 @@
     </p:spTree>
     <p:extLst>
       <p:ext uri="{BB962C8B-B14F-4D97-AF65-F5344CB8AC3E}">
-        <p14:creationId xmlns:p14="http://schemas.microsoft.com/office/powerpoint/2010/main" val="1947984243"/>
+        <p14:creationId xmlns:p14="http://schemas.microsoft.com/office/powerpoint/2010/main" val="1765599604"/>
       </p:ext>
     </p:extLst>
   </p:cSld>
@@ -8140,7 +7988,7 @@
                 </a:uFill>
                 <a:latin typeface="Calibri Light"/>
               </a:rPr>
-              <a:t>3 : Synthesis</a:t>
+              <a:t>3 : Main Features</a:t>
             </a:r>
             <a:endParaRPr lang="de-CH" sz="1800" strike="noStrike" spc="-1" dirty="0">
               <a:solidFill>
@@ -8203,8 +8051,266 @@
             </a:pPr>
             <a:r>
               <a:rPr lang="en-US" sz="2800" dirty="0" smtClean="0"/>
-              <a:t>Bruno: </a:t>
-            </a:r>
+              <a:t>Dashboard</a:t>
+            </a:r>
+          </a:p>
+          <a:p>
+            <a:pPr marL="1143000" lvl="2" indent="-227880">
+              <a:lnSpc>
+                <a:spcPct val="150000"/>
+              </a:lnSpc>
+              <a:buClr>
+                <a:srgbClr val="000000"/>
+              </a:buClr>
+              <a:buFont typeface="Arial"/>
+              <a:buChar char="•"/>
+            </a:pPr>
+            <a:r>
+              <a:rPr lang="en-US" sz="2800" spc="-1" dirty="0" err="1" smtClean="0">
+                <a:solidFill>
+                  <a:srgbClr val="000000"/>
+                </a:solidFill>
+                <a:uFill>
+                  <a:solidFill>
+                    <a:srgbClr val="FFFFFF"/>
+                  </a:solidFill>
+                </a:uFill>
+                <a:latin typeface="Arial"/>
+              </a:rPr>
+              <a:t>Statistische</a:t>
+            </a:r>
+            <a:r>
+              <a:rPr lang="en-US" sz="2800" spc="-1" dirty="0" smtClean="0">
+                <a:solidFill>
+                  <a:srgbClr val="000000"/>
+                </a:solidFill>
+                <a:uFill>
+                  <a:solidFill>
+                    <a:srgbClr val="FFFFFF"/>
+                  </a:solidFill>
+                </a:uFill>
+                <a:latin typeface="Arial"/>
+              </a:rPr>
+              <a:t> </a:t>
+            </a:r>
+            <a:r>
+              <a:rPr lang="en-US" sz="2800" spc="-1" dirty="0" err="1" smtClean="0">
+                <a:solidFill>
+                  <a:srgbClr val="000000"/>
+                </a:solidFill>
+                <a:uFill>
+                  <a:solidFill>
+                    <a:srgbClr val="FFFFFF"/>
+                  </a:solidFill>
+                </a:uFill>
+                <a:latin typeface="Arial"/>
+              </a:rPr>
+              <a:t>Auswertung</a:t>
+            </a:r>
+            <a:endParaRPr lang="en-US" sz="2800" spc="-1" dirty="0" smtClean="0">
+              <a:solidFill>
+                <a:srgbClr val="000000"/>
+              </a:solidFill>
+              <a:uFill>
+                <a:solidFill>
+                  <a:srgbClr val="FFFFFF"/>
+                </a:solidFill>
+              </a:uFill>
+              <a:latin typeface="Arial"/>
+            </a:endParaRPr>
+          </a:p>
+          <a:p>
+            <a:pPr marL="1143000" lvl="2" indent="-227880">
+              <a:lnSpc>
+                <a:spcPct val="150000"/>
+              </a:lnSpc>
+              <a:buClr>
+                <a:srgbClr val="000000"/>
+              </a:buClr>
+              <a:buFont typeface="Arial"/>
+              <a:buChar char="•"/>
+            </a:pPr>
+            <a:r>
+              <a:rPr lang="en-US" sz="2800" spc="-1" dirty="0" err="1" smtClean="0">
+                <a:solidFill>
+                  <a:srgbClr val="000000"/>
+                </a:solidFill>
+                <a:uFill>
+                  <a:solidFill>
+                    <a:srgbClr val="FFFFFF"/>
+                  </a:solidFill>
+                </a:uFill>
+                <a:latin typeface="Arial"/>
+              </a:rPr>
+              <a:t>Daten</a:t>
+            </a:r>
+            <a:r>
+              <a:rPr lang="en-US" sz="2800" spc="-1" dirty="0" smtClean="0">
+                <a:solidFill>
+                  <a:srgbClr val="000000"/>
+                </a:solidFill>
+                <a:uFill>
+                  <a:solidFill>
+                    <a:srgbClr val="FFFFFF"/>
+                  </a:solidFill>
+                </a:uFill>
+                <a:latin typeface="Arial"/>
+              </a:rPr>
+              <a:t> Export</a:t>
+            </a:r>
+          </a:p>
+          <a:p>
+            <a:pPr marL="1143000" lvl="2" indent="-227880">
+              <a:lnSpc>
+                <a:spcPct val="150000"/>
+              </a:lnSpc>
+              <a:buClr>
+                <a:srgbClr val="000000"/>
+              </a:buClr>
+              <a:buFont typeface="Arial"/>
+              <a:buChar char="•"/>
+            </a:pPr>
+            <a:r>
+              <a:rPr lang="en-US" sz="2800" spc="-1" dirty="0" smtClean="0">
+                <a:solidFill>
+                  <a:srgbClr val="000000"/>
+                </a:solidFill>
+                <a:uFill>
+                  <a:solidFill>
+                    <a:srgbClr val="FFFFFF"/>
+                  </a:solidFill>
+                </a:uFill>
+                <a:latin typeface="Arial"/>
+              </a:rPr>
+              <a:t>Personal </a:t>
+            </a:r>
+            <a:r>
+              <a:rPr lang="en-US" sz="2800" spc="-1" dirty="0" err="1" smtClean="0">
+                <a:solidFill>
+                  <a:srgbClr val="000000"/>
+                </a:solidFill>
+                <a:uFill>
+                  <a:solidFill>
+                    <a:srgbClr val="FFFFFF"/>
+                  </a:solidFill>
+                </a:uFill>
+                <a:latin typeface="Arial"/>
+              </a:rPr>
+              <a:t>Verwaltung</a:t>
+            </a:r>
+            <a:endParaRPr lang="en-US" sz="2800" spc="-1" dirty="0" smtClean="0">
+              <a:solidFill>
+                <a:srgbClr val="000000"/>
+              </a:solidFill>
+              <a:uFill>
+                <a:solidFill>
+                  <a:srgbClr val="FFFFFF"/>
+                </a:solidFill>
+              </a:uFill>
+              <a:latin typeface="Arial"/>
+            </a:endParaRPr>
+          </a:p>
+          <a:p>
+            <a:pPr marL="1143000" lvl="2" indent="-227880">
+              <a:lnSpc>
+                <a:spcPct val="150000"/>
+              </a:lnSpc>
+              <a:buClr>
+                <a:srgbClr val="000000"/>
+              </a:buClr>
+              <a:buFont typeface="Arial"/>
+              <a:buChar char="•"/>
+            </a:pPr>
+            <a:r>
+              <a:rPr lang="en-US" sz="2800" spc="-1" dirty="0" err="1" smtClean="0">
+                <a:solidFill>
+                  <a:srgbClr val="000000"/>
+                </a:solidFill>
+                <a:uFill>
+                  <a:solidFill>
+                    <a:srgbClr val="FFFFFF"/>
+                  </a:solidFill>
+                </a:uFill>
+                <a:latin typeface="Arial"/>
+              </a:rPr>
+              <a:t>Pflege</a:t>
+            </a:r>
+            <a:r>
+              <a:rPr lang="en-US" sz="2800" spc="-1" dirty="0" smtClean="0">
+                <a:solidFill>
+                  <a:srgbClr val="000000"/>
+                </a:solidFill>
+                <a:uFill>
+                  <a:solidFill>
+                    <a:srgbClr val="FFFFFF"/>
+                  </a:solidFill>
+                </a:uFill>
+                <a:latin typeface="Arial"/>
+              </a:rPr>
+              <a:t> und </a:t>
+            </a:r>
+            <a:r>
+              <a:rPr lang="en-US" sz="2800" spc="-1" dirty="0" err="1" smtClean="0">
+                <a:solidFill>
+                  <a:srgbClr val="000000"/>
+                </a:solidFill>
+                <a:uFill>
+                  <a:solidFill>
+                    <a:srgbClr val="FFFFFF"/>
+                  </a:solidFill>
+                </a:uFill>
+                <a:latin typeface="Arial"/>
+              </a:rPr>
+              <a:t>Therapie</a:t>
+            </a:r>
+            <a:endParaRPr lang="en-US" sz="2800" spc="-1" dirty="0" smtClean="0">
+              <a:solidFill>
+                <a:srgbClr val="000000"/>
+              </a:solidFill>
+              <a:uFill>
+                <a:solidFill>
+                  <a:srgbClr val="FFFFFF"/>
+                </a:solidFill>
+              </a:uFill>
+              <a:latin typeface="Arial"/>
+            </a:endParaRPr>
+          </a:p>
+          <a:p>
+            <a:pPr marL="1143000" lvl="2" indent="-227880">
+              <a:lnSpc>
+                <a:spcPct val="150000"/>
+              </a:lnSpc>
+              <a:buClr>
+                <a:srgbClr val="000000"/>
+              </a:buClr>
+              <a:buFont typeface="Arial"/>
+              <a:buChar char="•"/>
+            </a:pPr>
+            <a:r>
+              <a:rPr lang="en-US" sz="2800" spc="-1" dirty="0" err="1" smtClean="0">
+                <a:solidFill>
+                  <a:srgbClr val="000000"/>
+                </a:solidFill>
+                <a:uFill>
+                  <a:solidFill>
+                    <a:srgbClr val="FFFFFF"/>
+                  </a:solidFill>
+                </a:uFill>
+                <a:latin typeface="Arial"/>
+              </a:rPr>
+              <a:t>Finanzverwaltung</a:t>
+            </a:r>
+            <a:endParaRPr lang="en-US" sz="2800" spc="-1" dirty="0" smtClean="0">
+              <a:solidFill>
+                <a:srgbClr val="000000"/>
+              </a:solidFill>
+              <a:uFill>
+                <a:solidFill>
+                  <a:srgbClr val="FFFFFF"/>
+                </a:solidFill>
+              </a:uFill>
+              <a:latin typeface="Arial"/>
+            </a:endParaRPr>
           </a:p>
           <a:p>
             <a:pPr marL="1600200" lvl="3" indent="-227880">
@@ -8217,267 +8323,6 @@
               <a:buFont typeface="Arial"/>
               <a:buChar char="•"/>
             </a:pPr>
-            <a:r>
-              <a:rPr lang="en-US" sz="2800" spc="-1" dirty="0" err="1" smtClean="0">
-                <a:solidFill>
-                  <a:srgbClr val="000000"/>
-                </a:solidFill>
-                <a:uFill>
-                  <a:solidFill>
-                    <a:srgbClr val="FFFFFF"/>
-                  </a:solidFill>
-                </a:uFill>
-                <a:latin typeface="Arial"/>
-              </a:rPr>
-              <a:t>Leitender</a:t>
-            </a:r>
-            <a:r>
-              <a:rPr lang="en-US" sz="2800" spc="-1" dirty="0" smtClean="0">
-                <a:solidFill>
-                  <a:srgbClr val="000000"/>
-                </a:solidFill>
-                <a:uFill>
-                  <a:solidFill>
-                    <a:srgbClr val="FFFFFF"/>
-                  </a:solidFill>
-                </a:uFill>
-                <a:latin typeface="Arial"/>
-              </a:rPr>
-              <a:t> </a:t>
-            </a:r>
-            <a:r>
-              <a:rPr lang="en-US" sz="2800" spc="-1" dirty="0" err="1" smtClean="0">
-                <a:solidFill>
-                  <a:srgbClr val="000000"/>
-                </a:solidFill>
-                <a:uFill>
-                  <a:solidFill>
-                    <a:srgbClr val="FFFFFF"/>
-                  </a:solidFill>
-                </a:uFill>
-                <a:latin typeface="Arial"/>
-              </a:rPr>
-              <a:t>Arzt</a:t>
-            </a:r>
-            <a:r>
-              <a:rPr lang="en-US" sz="2800" spc="-1" dirty="0" smtClean="0">
-                <a:solidFill>
-                  <a:srgbClr val="000000"/>
-                </a:solidFill>
-                <a:uFill>
-                  <a:solidFill>
-                    <a:srgbClr val="FFFFFF"/>
-                  </a:solidFill>
-                </a:uFill>
-                <a:latin typeface="Arial"/>
-              </a:rPr>
-              <a:t> </a:t>
-            </a:r>
-          </a:p>
-          <a:p>
-            <a:pPr marL="1600200" lvl="3" indent="-227880">
-              <a:lnSpc>
-                <a:spcPct val="150000"/>
-              </a:lnSpc>
-              <a:buClr>
-                <a:srgbClr val="000000"/>
-              </a:buClr>
-              <a:buFont typeface="Arial"/>
-              <a:buChar char="•"/>
-            </a:pPr>
-            <a:r>
-              <a:rPr lang="en-US" sz="2800" spc="-1" dirty="0" smtClean="0">
-                <a:solidFill>
-                  <a:srgbClr val="000000"/>
-                </a:solidFill>
-                <a:uFill>
-                  <a:solidFill>
-                    <a:srgbClr val="FFFFFF"/>
-                  </a:solidFill>
-                </a:uFill>
-                <a:latin typeface="Arial"/>
-              </a:rPr>
-              <a:t>Ambulate </a:t>
-            </a:r>
-            <a:r>
-              <a:rPr lang="en-US" sz="2800" spc="-1" dirty="0" err="1" smtClean="0">
-                <a:solidFill>
-                  <a:srgbClr val="000000"/>
-                </a:solidFill>
-                <a:uFill>
-                  <a:solidFill>
-                    <a:srgbClr val="FFFFFF"/>
-                  </a:solidFill>
-                </a:uFill>
-                <a:latin typeface="Arial"/>
-              </a:rPr>
-              <a:t>Behandlungen</a:t>
-            </a:r>
-            <a:endParaRPr lang="en-US" sz="2800" spc="-1" dirty="0" smtClean="0">
-              <a:solidFill>
-                <a:srgbClr val="000000"/>
-              </a:solidFill>
-              <a:uFill>
-                <a:solidFill>
-                  <a:srgbClr val="FFFFFF"/>
-                </a:solidFill>
-              </a:uFill>
-              <a:latin typeface="Arial"/>
-            </a:endParaRPr>
-          </a:p>
-          <a:p>
-            <a:pPr marL="1600200" lvl="3" indent="-227880">
-              <a:lnSpc>
-                <a:spcPct val="150000"/>
-              </a:lnSpc>
-              <a:buClr>
-                <a:srgbClr val="000000"/>
-              </a:buClr>
-              <a:buFont typeface="Arial"/>
-              <a:buChar char="•"/>
-            </a:pPr>
-            <a:r>
-              <a:rPr lang="en-US" sz="2800" spc="-1" dirty="0" err="1" smtClean="0">
-                <a:solidFill>
-                  <a:srgbClr val="000000"/>
-                </a:solidFill>
-                <a:uFill>
-                  <a:solidFill>
-                    <a:srgbClr val="FFFFFF"/>
-                  </a:solidFill>
-                </a:uFill>
-                <a:latin typeface="Arial"/>
-              </a:rPr>
-              <a:t>Eigene</a:t>
-            </a:r>
-            <a:r>
-              <a:rPr lang="en-US" sz="2800" spc="-1" dirty="0" smtClean="0">
-                <a:solidFill>
-                  <a:srgbClr val="000000"/>
-                </a:solidFill>
-                <a:uFill>
-                  <a:solidFill>
-                    <a:srgbClr val="FFFFFF"/>
-                  </a:solidFill>
-                </a:uFill>
-                <a:latin typeface="Arial"/>
-              </a:rPr>
-              <a:t> Praxis</a:t>
-            </a:r>
-          </a:p>
-          <a:p>
-            <a:pPr marL="1600200" lvl="3" indent="-227880">
-              <a:lnSpc>
-                <a:spcPct val="150000"/>
-              </a:lnSpc>
-              <a:buClr>
-                <a:srgbClr val="000000"/>
-              </a:buClr>
-              <a:buFont typeface="Arial"/>
-              <a:buChar char="•"/>
-            </a:pPr>
-            <a:r>
-              <a:rPr lang="en-US" sz="2800" spc="-1" dirty="0" err="1" smtClean="0">
-                <a:solidFill>
-                  <a:srgbClr val="000000"/>
-                </a:solidFill>
-                <a:uFill>
-                  <a:solidFill>
-                    <a:srgbClr val="FFFFFF"/>
-                  </a:solidFill>
-                </a:uFill>
-                <a:latin typeface="Arial"/>
-              </a:rPr>
-              <a:t>Finanzzahlen</a:t>
-            </a:r>
-            <a:endParaRPr lang="en-US" sz="2800" spc="-1" dirty="0" smtClean="0">
-              <a:solidFill>
-                <a:srgbClr val="000000"/>
-              </a:solidFill>
-              <a:uFill>
-                <a:solidFill>
-                  <a:srgbClr val="FFFFFF"/>
-                </a:solidFill>
-              </a:uFill>
-              <a:latin typeface="Arial"/>
-            </a:endParaRPr>
-          </a:p>
-          <a:p>
-            <a:pPr marL="1600200" lvl="3" indent="-227880">
-              <a:lnSpc>
-                <a:spcPct val="150000"/>
-              </a:lnSpc>
-              <a:buClr>
-                <a:srgbClr val="000000"/>
-              </a:buClr>
-              <a:buFont typeface="Arial"/>
-              <a:buChar char="•"/>
-            </a:pPr>
-            <a:r>
-              <a:rPr lang="en-US" sz="2800" spc="-1" dirty="0" err="1" smtClean="0">
-                <a:solidFill>
-                  <a:srgbClr val="000000"/>
-                </a:solidFill>
-                <a:uFill>
-                  <a:solidFill>
-                    <a:srgbClr val="FFFFFF"/>
-                  </a:solidFill>
-                </a:uFill>
-                <a:latin typeface="Arial"/>
-              </a:rPr>
-              <a:t>Kaum</a:t>
-            </a:r>
-            <a:r>
-              <a:rPr lang="en-US" sz="2800" spc="-1" dirty="0" smtClean="0">
-                <a:solidFill>
-                  <a:srgbClr val="000000"/>
-                </a:solidFill>
-                <a:uFill>
-                  <a:solidFill>
-                    <a:srgbClr val="FFFFFF"/>
-                  </a:solidFill>
-                </a:uFill>
-                <a:latin typeface="Arial"/>
-              </a:rPr>
-              <a:t> IT-</a:t>
-            </a:r>
-            <a:r>
-              <a:rPr lang="en-US" sz="2800" spc="-1" dirty="0" err="1" smtClean="0">
-                <a:solidFill>
-                  <a:srgbClr val="000000"/>
-                </a:solidFill>
-                <a:uFill>
-                  <a:solidFill>
-                    <a:srgbClr val="FFFFFF"/>
-                  </a:solidFill>
-                </a:uFill>
-                <a:latin typeface="Arial"/>
-              </a:rPr>
-              <a:t>Kenntnisse</a:t>
-            </a:r>
-            <a:endParaRPr lang="en-US" sz="2800" spc="-1" dirty="0" smtClean="0">
-              <a:solidFill>
-                <a:srgbClr val="000000"/>
-              </a:solidFill>
-              <a:uFill>
-                <a:solidFill>
-                  <a:srgbClr val="FFFFFF"/>
-                </a:solidFill>
-              </a:uFill>
-              <a:latin typeface="Arial"/>
-            </a:endParaRPr>
-          </a:p>
-          <a:p>
-            <a:pPr marL="1600200" lvl="3" indent="-227880">
-              <a:lnSpc>
-                <a:spcPct val="150000"/>
-              </a:lnSpc>
-              <a:buClr>
-                <a:srgbClr val="000000"/>
-              </a:buClr>
-              <a:buFont typeface="Arial"/>
-              <a:buChar char="•"/>
-            </a:pPr>
             <a:endParaRPr lang="en-US" sz="2800" spc="-1" dirty="0" smtClean="0">
               <a:solidFill>
                 <a:srgbClr val="000000"/>
@@ -8539,7 +8384,7 @@
     </p:spTree>
     <p:extLst>
       <p:ext uri="{BB962C8B-B14F-4D97-AF65-F5344CB8AC3E}">
-        <p14:creationId xmlns:p14="http://schemas.microsoft.com/office/powerpoint/2010/main" val="1765599604"/>
+        <p14:creationId xmlns:p14="http://schemas.microsoft.com/office/powerpoint/2010/main" val="469477587"/>
       </p:ext>
     </p:extLst>
   </p:cSld>
@@ -8659,7 +8504,7 @@
                 </a:uFill>
                 <a:latin typeface="Calibri Light"/>
               </a:rPr>
-              <a:t>3 : Main Features</a:t>
+              <a:t>3 : Desing</a:t>
             </a:r>
             <a:endParaRPr lang="de-CH" sz="1800" strike="noStrike" spc="-1" dirty="0">
               <a:solidFill>
@@ -8710,267 +8555,14 @@
           <a:bodyPr lIns="90000" tIns="45000" rIns="90000" bIns="45000"/>
           <a:lstStyle/>
           <a:p>
-            <a:pPr marL="1143000" lvl="2" indent="-227880">
+            <a:pPr marL="915120" lvl="2">
               <a:lnSpc>
                 <a:spcPct val="150000"/>
               </a:lnSpc>
               <a:buClr>
                 <a:srgbClr val="000000"/>
               </a:buClr>
-              <a:buFont typeface="Arial"/>
-              <a:buChar char="•"/>
             </a:pPr>
-            <a:r>
-              <a:rPr lang="en-US" sz="2800" dirty="0" smtClean="0"/>
-              <a:t>Dashboard</a:t>
-            </a:r>
-          </a:p>
-          <a:p>
-            <a:pPr marL="1143000" lvl="2" indent="-227880">
-              <a:lnSpc>
-                <a:spcPct val="150000"/>
-              </a:lnSpc>
-              <a:buClr>
-                <a:srgbClr val="000000"/>
-              </a:buClr>
-              <a:buFont typeface="Arial"/>
-              <a:buChar char="•"/>
-            </a:pPr>
-            <a:r>
-              <a:rPr lang="en-US" sz="2800" spc="-1" dirty="0" err="1" smtClean="0">
-                <a:solidFill>
-                  <a:srgbClr val="000000"/>
-                </a:solidFill>
-                <a:uFill>
-                  <a:solidFill>
-                    <a:srgbClr val="FFFFFF"/>
-                  </a:solidFill>
-                </a:uFill>
-                <a:latin typeface="Arial"/>
-              </a:rPr>
-              <a:t>Statistische</a:t>
-            </a:r>
-            <a:r>
-              <a:rPr lang="en-US" sz="2800" spc="-1" dirty="0" smtClean="0">
-                <a:solidFill>
-                  <a:srgbClr val="000000"/>
-                </a:solidFill>
-                <a:uFill>
-                  <a:solidFill>
-                    <a:srgbClr val="FFFFFF"/>
-                  </a:solidFill>
-                </a:uFill>
-                <a:latin typeface="Arial"/>
-              </a:rPr>
-              <a:t> </a:t>
-            </a:r>
-            <a:r>
-              <a:rPr lang="en-US" sz="2800" spc="-1" dirty="0" err="1" smtClean="0">
-                <a:solidFill>
-                  <a:srgbClr val="000000"/>
-                </a:solidFill>
-                <a:uFill>
-                  <a:solidFill>
-                    <a:srgbClr val="FFFFFF"/>
-                  </a:solidFill>
-                </a:uFill>
-                <a:latin typeface="Arial"/>
-              </a:rPr>
-              <a:t>Auswertung</a:t>
-            </a:r>
-            <a:endParaRPr lang="en-US" sz="2800" spc="-1" dirty="0" smtClean="0">
-              <a:solidFill>
-                <a:srgbClr val="000000"/>
-              </a:solidFill>
-              <a:uFill>
-                <a:solidFill>
-                  <a:srgbClr val="FFFFFF"/>
-                </a:solidFill>
-              </a:uFill>
-              <a:latin typeface="Arial"/>
-            </a:endParaRPr>
-          </a:p>
-          <a:p>
-            <a:pPr marL="1143000" lvl="2" indent="-227880">
-              <a:lnSpc>
-                <a:spcPct val="150000"/>
-              </a:lnSpc>
-              <a:buClr>
-                <a:srgbClr val="000000"/>
-              </a:buClr>
-              <a:buFont typeface="Arial"/>
-              <a:buChar char="•"/>
-            </a:pPr>
-            <a:r>
-              <a:rPr lang="en-US" sz="2800" spc="-1" dirty="0" err="1" smtClean="0">
-                <a:solidFill>
-                  <a:srgbClr val="000000"/>
-                </a:solidFill>
-                <a:uFill>
-                  <a:solidFill>
-                    <a:srgbClr val="FFFFFF"/>
-                  </a:solidFill>
-                </a:uFill>
-                <a:latin typeface="Arial"/>
-              </a:rPr>
-              <a:t>Daten</a:t>
-            </a:r>
-            <a:r>
-              <a:rPr lang="en-US" sz="2800" spc="-1" dirty="0" smtClean="0">
-                <a:solidFill>
-                  <a:srgbClr val="000000"/>
-                </a:solidFill>
-                <a:uFill>
-                  <a:solidFill>
-                    <a:srgbClr val="FFFFFF"/>
-                  </a:solidFill>
-                </a:uFill>
-                <a:latin typeface="Arial"/>
-              </a:rPr>
-              <a:t> Export</a:t>
-            </a:r>
-          </a:p>
-          <a:p>
-            <a:pPr marL="1143000" lvl="2" indent="-227880">
-              <a:lnSpc>
-                <a:spcPct val="150000"/>
-              </a:lnSpc>
-              <a:buClr>
-                <a:srgbClr val="000000"/>
-              </a:buClr>
-              <a:buFont typeface="Arial"/>
-              <a:buChar char="•"/>
-            </a:pPr>
-            <a:r>
-              <a:rPr lang="en-US" sz="2800" spc="-1" dirty="0" smtClean="0">
-                <a:solidFill>
-                  <a:srgbClr val="000000"/>
-                </a:solidFill>
-                <a:uFill>
-                  <a:solidFill>
-                    <a:srgbClr val="FFFFFF"/>
-                  </a:solidFill>
-                </a:uFill>
-                <a:latin typeface="Arial"/>
-              </a:rPr>
-              <a:t>Personal </a:t>
-            </a:r>
-            <a:r>
-              <a:rPr lang="en-US" sz="2800" spc="-1" dirty="0" err="1" smtClean="0">
-                <a:solidFill>
-                  <a:srgbClr val="000000"/>
-                </a:solidFill>
-                <a:uFill>
-                  <a:solidFill>
-                    <a:srgbClr val="FFFFFF"/>
-                  </a:solidFill>
-                </a:uFill>
-                <a:latin typeface="Arial"/>
-              </a:rPr>
-              <a:t>Verwaltung</a:t>
-            </a:r>
-            <a:endParaRPr lang="en-US" sz="2800" spc="-1" dirty="0" smtClean="0">
-              <a:solidFill>
-                <a:srgbClr val="000000"/>
-              </a:solidFill>
-              <a:uFill>
-                <a:solidFill>
-                  <a:srgbClr val="FFFFFF"/>
-                </a:solidFill>
-              </a:uFill>
-              <a:latin typeface="Arial"/>
-            </a:endParaRPr>
-          </a:p>
-          <a:p>
-            <a:pPr marL="1143000" lvl="2" indent="-227880">
-              <a:lnSpc>
-                <a:spcPct val="150000"/>
-              </a:lnSpc>
-              <a:buClr>
-                <a:srgbClr val="000000"/>
-              </a:buClr>
-              <a:buFont typeface="Arial"/>
-              <a:buChar char="•"/>
-            </a:pPr>
-            <a:r>
-              <a:rPr lang="en-US" sz="2800" spc="-1" dirty="0" err="1" smtClean="0">
-                <a:solidFill>
-                  <a:srgbClr val="000000"/>
-                </a:solidFill>
-                <a:uFill>
-                  <a:solidFill>
-                    <a:srgbClr val="FFFFFF"/>
-                  </a:solidFill>
-                </a:uFill>
-                <a:latin typeface="Arial"/>
-              </a:rPr>
-              <a:t>Pflege</a:t>
-            </a:r>
-            <a:r>
-              <a:rPr lang="en-US" sz="2800" spc="-1" dirty="0" smtClean="0">
-                <a:solidFill>
-                  <a:srgbClr val="000000"/>
-                </a:solidFill>
-                <a:uFill>
-                  <a:solidFill>
-                    <a:srgbClr val="FFFFFF"/>
-                  </a:solidFill>
-                </a:uFill>
-                <a:latin typeface="Arial"/>
-              </a:rPr>
-              <a:t> und </a:t>
-            </a:r>
-            <a:r>
-              <a:rPr lang="en-US" sz="2800" spc="-1" dirty="0" err="1" smtClean="0">
-                <a:solidFill>
-                  <a:srgbClr val="000000"/>
-                </a:solidFill>
-                <a:uFill>
-                  <a:solidFill>
-                    <a:srgbClr val="FFFFFF"/>
-                  </a:solidFill>
-                </a:uFill>
-                <a:latin typeface="Arial"/>
-              </a:rPr>
-              <a:t>Therapie</a:t>
-            </a:r>
-            <a:endParaRPr lang="en-US" sz="2800" spc="-1" dirty="0" smtClean="0">
-              <a:solidFill>
-                <a:srgbClr val="000000"/>
-              </a:solidFill>
-              <a:uFill>
-                <a:solidFill>
-                  <a:srgbClr val="FFFFFF"/>
-                </a:solidFill>
-              </a:uFill>
-              <a:latin typeface="Arial"/>
-            </a:endParaRPr>
-          </a:p>
-          <a:p>
-            <a:pPr marL="1143000" lvl="2" indent="-227880">
-              <a:lnSpc>
-                <a:spcPct val="150000"/>
-              </a:lnSpc>
-              <a:buClr>
-                <a:srgbClr val="000000"/>
-              </a:buClr>
-              <a:buFont typeface="Arial"/>
-              <a:buChar char="•"/>
-            </a:pPr>
-            <a:r>
-              <a:rPr lang="en-US" sz="2800" spc="-1" dirty="0" err="1" smtClean="0">
-                <a:solidFill>
-                  <a:srgbClr val="000000"/>
-                </a:solidFill>
-                <a:uFill>
-                  <a:solidFill>
-                    <a:srgbClr val="FFFFFF"/>
-                  </a:solidFill>
-                </a:uFill>
-                <a:latin typeface="Arial"/>
-              </a:rPr>
-              <a:t>Finanzverwaltung</a:t>
-            </a:r>
             <a:endParaRPr lang="en-US" sz="2800" spc="-1" dirty="0" smtClean="0">
               <a:solidFill>
                 <a:srgbClr val="000000"/>
@@ -9052,10 +8644,39 @@
           </a:p>
         </p:txBody>
       </p:sp>
+      <p:pic>
+        <p:nvPicPr>
+          <p:cNvPr id="2" name="Picture 1"/>
+          <p:cNvPicPr>
+            <a:picLocks noChangeAspect="1"/>
+          </p:cNvPicPr>
+          <p:nvPr/>
+        </p:nvPicPr>
+        <p:blipFill rotWithShape="1">
+          <a:blip r:embed="rId2" cstate="print">
+            <a:extLst>
+              <a:ext uri="{28A0092B-C50C-407E-A947-70E740481C1C}">
+                <a14:useLocalDpi xmlns:a14="http://schemas.microsoft.com/office/drawing/2010/main" val="0"/>
+              </a:ext>
+            </a:extLst>
+          </a:blip>
+          <a:srcRect l="-286" r="286" b="48239"/>
+          <a:stretch/>
+        </p:blipFill>
+        <p:spPr>
+          <a:xfrm>
+            <a:off x="562196" y="1381054"/>
+            <a:ext cx="11066647" cy="4226531"/>
+          </a:xfrm>
+          <a:prstGeom prst="rect">
+            <a:avLst/>
+          </a:prstGeom>
+        </p:spPr>
+      </p:pic>
     </p:spTree>
     <p:extLst>
       <p:ext uri="{BB962C8B-B14F-4D97-AF65-F5344CB8AC3E}">
-        <p14:creationId xmlns:p14="http://schemas.microsoft.com/office/powerpoint/2010/main" val="469477587"/>
+        <p14:creationId xmlns:p14="http://schemas.microsoft.com/office/powerpoint/2010/main" val="3393946720"/>
       </p:ext>
     </p:extLst>
   </p:cSld>
